--- a/Slides.pptx
+++ b/Slides.pptx
@@ -3467,8 +3467,8 @@
         </p:nvSpPr>
         <p:spPr>
           <a:xfrm>
-            <a:off x="3856527" y="2496458"/>
-            <a:ext cx="5287473" cy="1015663"/>
+            <a:off x="3856463" y="2239279"/>
+            <a:ext cx="5287537" cy="1323439"/>
           </a:xfrm>
           <a:prstGeom prst="rect">
             <a:avLst/>
@@ -3496,8 +3496,32 @@
                 <a:ea typeface="Constantia" charset="0"/>
                 <a:cs typeface="Constantia" charset="0"/>
               </a:rPr>
-              <a:t> Liu</a:t>
-            </a:r>
+              <a:t> </a:t>
+            </a:r>
+            <a:r>
+              <a:rPr lang="en-US" sz="2000" dirty="0" smtClean="0">
+                <a:latin typeface="Constantia" charset="0"/>
+                <a:ea typeface="Constantia" charset="0"/>
+                <a:cs typeface="Constantia" charset="0"/>
+              </a:rPr>
+              <a:t>Liu</a:t>
+            </a:r>
+          </a:p>
+          <a:p>
+            <a:pPr algn="r"/>
+            <a:r>
+              <a:rPr lang="en-US" sz="2000" dirty="0" smtClean="0">
+                <a:latin typeface="Constantia" charset="0"/>
+                <a:ea typeface="Constantia" charset="0"/>
+                <a:cs typeface="Constantia" charset="0"/>
+              </a:rPr>
+              <a:t>PhD candidate</a:t>
+            </a:r>
+            <a:endParaRPr lang="en-US" sz="2000" dirty="0" smtClean="0">
+              <a:latin typeface="Constantia" charset="0"/>
+              <a:ea typeface="Constantia" charset="0"/>
+              <a:cs typeface="Constantia" charset="0"/>
+            </a:endParaRPr>
           </a:p>
           <a:p>
             <a:pPr algn="r"/>
@@ -5725,15 +5749,7 @@
                 <a:ea typeface="Constantia" charset="0"/>
                 <a:cs typeface="Constantia" charset="0"/>
               </a:rPr>
-              <a:t>Data </a:t>
-            </a:r>
-            <a:r>
-              <a:rPr lang="en-US" dirty="0" smtClean="0">
-                <a:latin typeface="Constantia" charset="0"/>
-                <a:ea typeface="Constantia" charset="0"/>
-                <a:cs typeface="Constantia" charset="0"/>
-              </a:rPr>
-              <a:t>structures</a:t>
+              <a:t>Data structures</a:t>
             </a:r>
           </a:p>
           <a:p>
